--- a/0130용승.pptx
+++ b/0130용승.pptx
@@ -6,16 +6,18 @@
     <p:sldMasterId id="2147483648" r:id="rId2"/>
   </p:sldMasterIdLst>
   <p:notesMasterIdLst>
-    <p:notesMasterId r:id="rId10"/>
+    <p:notesMasterId r:id="rId12"/>
   </p:notesMasterIdLst>
   <p:sldIdLst>
     <p:sldId id="331" r:id="rId3"/>
     <p:sldId id="338" r:id="rId4"/>
     <p:sldId id="337" r:id="rId5"/>
-    <p:sldId id="340" r:id="rId6"/>
-    <p:sldId id="339" r:id="rId7"/>
-    <p:sldId id="342" r:id="rId8"/>
-    <p:sldId id="341" r:id="rId9"/>
+    <p:sldId id="343" r:id="rId6"/>
+    <p:sldId id="340" r:id="rId7"/>
+    <p:sldId id="339" r:id="rId8"/>
+    <p:sldId id="342" r:id="rId9"/>
+    <p:sldId id="341" r:id="rId10"/>
+    <p:sldId id="344" r:id="rId11"/>
   </p:sldIdLst>
   <p:sldSz cx="12192000" cy="6858000"/>
   <p:notesSz cx="6858000" cy="9144000"/>
@@ -122,16 +124,18 @@
             <p14:sldId id="331"/>
             <p14:sldId id="338"/>
             <p14:sldId id="337"/>
+            <p14:sldId id="343"/>
             <p14:sldId id="340"/>
             <p14:sldId id="339"/>
             <p14:sldId id="342"/>
             <p14:sldId id="341"/>
+            <p14:sldId id="344"/>
           </p14:sldIdLst>
         </p14:section>
       </p14:sectionLst>
     </p:ext>
     <p:ext uri="{EFAFB233-063F-42B5-8137-9DF3F51BA10A}">
-      <p15:sldGuideLst xmlns="" xmlns:p15="http://schemas.microsoft.com/office/powerpoint/2012/main">
+      <p15:sldGuideLst xmlns:p15="http://schemas.microsoft.com/office/powerpoint/2012/main">
         <p15:guide id="1" orient="horz" pos="2160">
           <p15:clr>
             <a:srgbClr val="A4A3A4"/>
@@ -9838,9 +9842,9 @@
       </p:grpSpPr>
       <p:pic>
         <p:nvPicPr>
-          <p:cNvPr id="1659" name="이미지" descr="이미지"/>
+          <p:cNvPr id="2" name="그림 1"/>
           <p:cNvPicPr>
-            <a:picLocks/>
+            <a:picLocks noChangeAspect="1"/>
           </p:cNvPicPr>
           <p:nvPr/>
         </p:nvPicPr>
@@ -9852,20 +9856,17 @@
         </p:blipFill>
         <p:spPr>
           <a:xfrm>
-            <a:off x="220379" y="1320800"/>
-            <a:ext cx="11751242" cy="3076526"/>
+            <a:off x="874764" y="0"/>
+            <a:ext cx="10442471" cy="6858000"/>
           </a:xfrm>
           <a:prstGeom prst="rect">
             <a:avLst/>
           </a:prstGeom>
-          <a:ln w="12700">
-            <a:miter lim="400000"/>
-          </a:ln>
         </p:spPr>
       </p:pic>
       <p:pic>
         <p:nvPicPr>
-          <p:cNvPr id="1660" name="이미지" descr="이미지"/>
+          <p:cNvPr id="3" name="그림 2"/>
           <p:cNvPicPr>
             <a:picLocks noChangeAspect="1"/>
           </p:cNvPicPr>
@@ -9879,57 +9880,97 @@
         </p:blipFill>
         <p:spPr>
           <a:xfrm>
-            <a:off x="4591050" y="-4788"/>
-            <a:ext cx="3009900" cy="901701"/>
+            <a:off x="9211302" y="4248768"/>
+            <a:ext cx="2714625" cy="1962150"/>
           </a:xfrm>
           <a:prstGeom prst="rect">
             <a:avLst/>
           </a:prstGeom>
-          <a:ln w="12700">
-            <a:miter lim="400000"/>
-          </a:ln>
         </p:spPr>
       </p:pic>
       <p:sp>
         <p:nvSpPr>
-          <p:cNvPr id="1661" name="화살표"/>
+          <p:cNvPr id="8" name="오른쪽 화살표 7"/>
           <p:cNvSpPr/>
           <p:nvPr/>
         </p:nvSpPr>
         <p:spPr>
-          <a:xfrm rot="16200000" flipH="1">
-            <a:off x="5638055" y="1018381"/>
-            <a:ext cx="915890" cy="528638"/>
+          <a:xfrm rot="13656627">
+            <a:off x="9051634" y="2219913"/>
+            <a:ext cx="692728" cy="360218"/>
           </a:xfrm>
           <a:prstGeom prst="rightArrow">
-            <a:avLst>
-              <a:gd name="adj1" fmla="val 32000"/>
-              <a:gd name="adj2" fmla="val 134607"/>
-            </a:avLst>
+            <a:avLst/>
           </a:prstGeom>
           <a:solidFill>
-            <a:srgbClr val="EA5B2A"/>
+            <a:srgbClr val="FF0000"/>
           </a:solidFill>
-          <a:ln w="12700">
+          <a:ln w="12700" cap="flat">
             <a:solidFill>
-              <a:schemeClr val="accent1"/>
+              <a:srgbClr val="FF0000"/>
             </a:solidFill>
-            <a:miter/>
+            <a:prstDash val="solid"/>
+            <a:miter lim="800000"/>
           </a:ln>
+          <a:effectLst/>
+          <a:sp3d/>
         </p:spPr>
+        <p:style>
+          <a:lnRef idx="0">
+            <a:scrgbClr r="0" g="0" b="0"/>
+          </a:lnRef>
+          <a:fillRef idx="0">
+            <a:scrgbClr r="0" g="0" b="0"/>
+          </a:fillRef>
+          <a:effectRef idx="0">
+            <a:scrgbClr r="0" g="0" b="0"/>
+          </a:effectRef>
+          <a:fontRef idx="none"/>
+        </p:style>
         <p:txBody>
-          <a:bodyPr lIns="45719" rIns="45719" anchor="ctr"/>
+          <a:bodyPr rot="0" spcFirstLastPara="1" vertOverflow="overflow" horzOverflow="overflow" vert="horz" wrap="square" lIns="45719" tIns="45719" rIns="45719" bIns="45719" numCol="1" spcCol="38100" rtlCol="0" anchor="ctr">
+            <a:spAutoFit/>
+          </a:bodyPr>
           <a:lstStyle/>
           <a:p>
-            <a:endParaRPr/>
+            <a:pPr marL="0" marR="0" indent="0" algn="l" defTabSz="914400" rtl="0" fontAlgn="auto" latinLnBrk="0" hangingPunct="0">
+              <a:lnSpc>
+                <a:spcPct val="100000"/>
+              </a:lnSpc>
+              <a:spcBef>
+                <a:spcPts val="0"/>
+              </a:spcBef>
+              <a:spcAft>
+                <a:spcPts val="0"/>
+              </a:spcAft>
+              <a:buClrTx/>
+              <a:buSzTx/>
+              <a:buFontTx/>
+              <a:buNone/>
+              <a:tabLst/>
+            </a:pPr>
+            <a:endParaRPr kumimoji="0" lang="ko-KR" altLang="en-US" sz="1800" b="0" i="0" u="none" strike="noStrike" cap="none" spc="0" normalizeH="0" baseline="0">
+              <a:ln>
+                <a:noFill/>
+              </a:ln>
+              <a:solidFill>
+                <a:srgbClr val="000000"/>
+              </a:solidFill>
+              <a:effectLst/>
+              <a:uFillTx/>
+              <a:latin typeface="+mj-lt"/>
+              <a:ea typeface="+mj-ea"/>
+              <a:cs typeface="+mj-cs"/>
+              <a:sym typeface="맑은 고딕"/>
+            </a:endParaRPr>
           </a:p>
         </p:txBody>
       </p:sp>
       <p:pic>
         <p:nvPicPr>
-          <p:cNvPr id="1662" name="이미지" descr="이미지"/>
+          <p:cNvPr id="9" name="그림 8"/>
           <p:cNvPicPr>
-            <a:picLocks/>
+            <a:picLocks noChangeAspect="1"/>
           </p:cNvPicPr>
           <p:nvPr/>
         </p:nvPicPr>
@@ -9941,55 +9982,17 @@
         </p:blipFill>
         <p:spPr>
           <a:xfrm>
-            <a:off x="311150" y="3575050"/>
-            <a:ext cx="5323533" cy="1917700"/>
+            <a:off x="1120961" y="5627222"/>
+            <a:ext cx="2981325" cy="1000125"/>
           </a:xfrm>
           <a:prstGeom prst="rect">
             <a:avLst/>
           </a:prstGeom>
-          <a:ln w="12700">
-            <a:miter lim="400000"/>
-          </a:ln>
         </p:spPr>
       </p:pic>
-      <p:sp>
-        <p:nvSpPr>
-          <p:cNvPr id="1663" name="화살표"/>
-          <p:cNvSpPr/>
-          <p:nvPr/>
-        </p:nvSpPr>
-        <p:spPr>
-          <a:xfrm rot="5400000" flipH="1">
-            <a:off x="1292696" y="2383641"/>
-            <a:ext cx="1069380" cy="785466"/>
-          </a:xfrm>
-          <a:prstGeom prst="rightArrow">
-            <a:avLst>
-              <a:gd name="adj1" fmla="val 32000"/>
-              <a:gd name="adj2" fmla="val 105776"/>
-            </a:avLst>
-          </a:prstGeom>
-          <a:solidFill>
-            <a:srgbClr val="EA5B2A"/>
-          </a:solidFill>
-          <a:ln w="12700">
-            <a:solidFill>
-              <a:schemeClr val="accent1"/>
-            </a:solidFill>
-            <a:miter/>
-          </a:ln>
-        </p:spPr>
-        <p:txBody>
-          <a:bodyPr lIns="45719" rIns="45719" anchor="ctr"/>
-          <a:lstStyle/>
-          <a:p>
-            <a:endParaRPr/>
-          </a:p>
-        </p:txBody>
-      </p:sp>
       <p:pic>
         <p:nvPicPr>
-          <p:cNvPr id="1664" name="이미지" descr="이미지"/>
+          <p:cNvPr id="11" name="그림 10"/>
           <p:cNvPicPr>
             <a:picLocks noChangeAspect="1"/>
           </p:cNvPicPr>
@@ -10003,49 +10006,215 @@
         </p:blipFill>
         <p:spPr>
           <a:xfrm>
-            <a:off x="8521700" y="4114800"/>
-            <a:ext cx="3479800" cy="2057400"/>
+            <a:off x="6112520" y="2734762"/>
+            <a:ext cx="2404315" cy="3077793"/>
           </a:xfrm>
           <a:prstGeom prst="rect">
             <a:avLst/>
           </a:prstGeom>
-          <a:ln w="12700">
-            <a:miter lim="400000"/>
-          </a:ln>
+        </p:spPr>
+      </p:pic>
+      <p:pic>
+        <p:nvPicPr>
+          <p:cNvPr id="12" name="그림 11"/>
+          <p:cNvPicPr>
+            <a:picLocks noChangeAspect="1"/>
+          </p:cNvPicPr>
+          <p:nvPr/>
+        </p:nvPicPr>
+        <p:blipFill>
+          <a:blip r:embed="rId6"/>
+          <a:stretch>
+            <a:fillRect/>
+          </a:stretch>
+        </p:blipFill>
+        <p:spPr>
+          <a:xfrm>
+            <a:off x="9211302" y="3052484"/>
+            <a:ext cx="2592486" cy="695325"/>
+          </a:xfrm>
+          <a:prstGeom prst="rect">
+            <a:avLst/>
+          </a:prstGeom>
+        </p:spPr>
+      </p:pic>
+      <p:pic>
+        <p:nvPicPr>
+          <p:cNvPr id="13" name="그림 12"/>
+          <p:cNvPicPr>
+            <a:picLocks noChangeAspect="1"/>
+          </p:cNvPicPr>
+          <p:nvPr/>
+        </p:nvPicPr>
+        <p:blipFill>
+          <a:blip r:embed="rId7"/>
+          <a:stretch>
+            <a:fillRect/>
+          </a:stretch>
+        </p:blipFill>
+        <p:spPr>
+          <a:xfrm>
+            <a:off x="575381" y="2047981"/>
+            <a:ext cx="5103831" cy="3495531"/>
+          </a:xfrm>
+          <a:prstGeom prst="rect">
+            <a:avLst/>
+          </a:prstGeom>
         </p:spPr>
       </p:pic>
       <p:sp>
         <p:nvSpPr>
-          <p:cNvPr id="1665" name="화살표"/>
+          <p:cNvPr id="20" name="오른쪽 화살표 19"/>
           <p:cNvSpPr/>
           <p:nvPr/>
         </p:nvSpPr>
         <p:spPr>
-          <a:xfrm rot="2502788" flipH="1">
-            <a:off x="7166107" y="2936362"/>
-            <a:ext cx="1301932" cy="996811"/>
+          <a:xfrm rot="13992585">
+            <a:off x="5385136" y="2169407"/>
+            <a:ext cx="692728" cy="360218"/>
           </a:xfrm>
           <a:prstGeom prst="rightArrow">
-            <a:avLst>
-              <a:gd name="adj1" fmla="val 32000"/>
-              <a:gd name="adj2" fmla="val 101475"/>
-            </a:avLst>
+            <a:avLst/>
           </a:prstGeom>
           <a:solidFill>
-            <a:srgbClr val="EA5B2A"/>
+            <a:srgbClr val="FF0000"/>
           </a:solidFill>
-          <a:ln w="12700">
+          <a:ln w="12700" cap="flat">
             <a:solidFill>
-              <a:schemeClr val="accent1"/>
+              <a:srgbClr val="FF0000"/>
             </a:solidFill>
-            <a:miter/>
+            <a:prstDash val="solid"/>
+            <a:miter lim="800000"/>
           </a:ln>
+          <a:effectLst/>
+          <a:sp3d/>
         </p:spPr>
+        <p:style>
+          <a:lnRef idx="0">
+            <a:scrgbClr r="0" g="0" b="0"/>
+          </a:lnRef>
+          <a:fillRef idx="0">
+            <a:scrgbClr r="0" g="0" b="0"/>
+          </a:fillRef>
+          <a:effectRef idx="0">
+            <a:scrgbClr r="0" g="0" b="0"/>
+          </a:effectRef>
+          <a:fontRef idx="none"/>
+        </p:style>
         <p:txBody>
-          <a:bodyPr lIns="45719" rIns="45719" anchor="ctr"/>
+          <a:bodyPr rot="0" spcFirstLastPara="1" vertOverflow="overflow" horzOverflow="overflow" vert="horz" wrap="square" lIns="45719" tIns="45719" rIns="45719" bIns="45719" numCol="1" spcCol="38100" rtlCol="0" anchor="ctr">
+            <a:spAutoFit/>
+          </a:bodyPr>
           <a:lstStyle/>
           <a:p>
-            <a:endParaRPr/>
+            <a:pPr marL="0" marR="0" indent="0" algn="l" defTabSz="914400" rtl="0" fontAlgn="auto" latinLnBrk="0" hangingPunct="0">
+              <a:lnSpc>
+                <a:spcPct val="100000"/>
+              </a:lnSpc>
+              <a:spcBef>
+                <a:spcPts val="0"/>
+              </a:spcBef>
+              <a:spcAft>
+                <a:spcPts val="0"/>
+              </a:spcAft>
+              <a:buClrTx/>
+              <a:buSzTx/>
+              <a:buFontTx/>
+              <a:buNone/>
+              <a:tabLst/>
+            </a:pPr>
+            <a:endParaRPr kumimoji="0" lang="ko-KR" altLang="en-US" sz="1800" b="0" i="0" u="none" strike="noStrike" cap="none" spc="0" normalizeH="0" baseline="0">
+              <a:ln>
+                <a:noFill/>
+              </a:ln>
+              <a:solidFill>
+                <a:srgbClr val="000000"/>
+              </a:solidFill>
+              <a:effectLst/>
+              <a:uFillTx/>
+              <a:latin typeface="+mj-lt"/>
+              <a:ea typeface="+mj-ea"/>
+              <a:cs typeface="+mj-cs"/>
+              <a:sym typeface="맑은 고딕"/>
+            </a:endParaRPr>
+          </a:p>
+        </p:txBody>
+      </p:sp>
+      <p:sp>
+        <p:nvSpPr>
+          <p:cNvPr id="18" name="오른쪽 화살표 17"/>
+          <p:cNvSpPr/>
+          <p:nvPr/>
+        </p:nvSpPr>
+        <p:spPr>
+          <a:xfrm rot="18513561">
+            <a:off x="3356781" y="1390586"/>
+            <a:ext cx="1217036" cy="360218"/>
+          </a:xfrm>
+          <a:prstGeom prst="rightArrow">
+            <a:avLst/>
+          </a:prstGeom>
+          <a:solidFill>
+            <a:srgbClr val="FF0000"/>
+          </a:solidFill>
+          <a:ln w="12700" cap="flat">
+            <a:solidFill>
+              <a:srgbClr val="FF0000"/>
+            </a:solidFill>
+            <a:prstDash val="solid"/>
+            <a:miter lim="800000"/>
+          </a:ln>
+          <a:effectLst/>
+          <a:sp3d/>
+        </p:spPr>
+        <p:style>
+          <a:lnRef idx="0">
+            <a:scrgbClr r="0" g="0" b="0"/>
+          </a:lnRef>
+          <a:fillRef idx="0">
+            <a:scrgbClr r="0" g="0" b="0"/>
+          </a:fillRef>
+          <a:effectRef idx="0">
+            <a:scrgbClr r="0" g="0" b="0"/>
+          </a:effectRef>
+          <a:fontRef idx="none"/>
+        </p:style>
+        <p:txBody>
+          <a:bodyPr rot="0" spcFirstLastPara="1" vertOverflow="overflow" horzOverflow="overflow" vert="horz" wrap="square" lIns="45719" tIns="45719" rIns="45719" bIns="45719" numCol="1" spcCol="38100" rtlCol="0" anchor="ctr">
+            <a:spAutoFit/>
+          </a:bodyPr>
+          <a:lstStyle/>
+          <a:p>
+            <a:pPr marL="0" marR="0" indent="0" algn="l" defTabSz="914400" rtl="0" fontAlgn="auto" latinLnBrk="0" hangingPunct="0">
+              <a:lnSpc>
+                <a:spcPct val="100000"/>
+              </a:lnSpc>
+              <a:spcBef>
+                <a:spcPts val="0"/>
+              </a:spcBef>
+              <a:spcAft>
+                <a:spcPts val="0"/>
+              </a:spcAft>
+              <a:buClrTx/>
+              <a:buSzTx/>
+              <a:buFontTx/>
+              <a:buNone/>
+              <a:tabLst/>
+            </a:pPr>
+            <a:endParaRPr kumimoji="0" lang="ko-KR" altLang="en-US" sz="1800" b="0" i="0" u="none" strike="noStrike" cap="none" spc="0" normalizeH="0" baseline="0">
+              <a:ln>
+                <a:noFill/>
+              </a:ln>
+              <a:solidFill>
+                <a:srgbClr val="000000"/>
+              </a:solidFill>
+              <a:effectLst/>
+              <a:uFillTx/>
+              <a:latin typeface="+mj-lt"/>
+              <a:ea typeface="+mj-ea"/>
+              <a:cs typeface="+mj-cs"/>
+              <a:sym typeface="맑은 고딕"/>
+            </a:endParaRPr>
           </a:p>
         </p:txBody>
       </p:sp>
@@ -10064,6 +10233,475 @@
 </file>
 
 <file path=ppt/slides/slide4.xml><?xml version="1.0" encoding="utf-8"?>
+<p:sld xmlns:a="http://schemas.openxmlformats.org/drawingml/2006/main" xmlns:r="http://schemas.openxmlformats.org/officeDocument/2006/relationships" xmlns:p="http://schemas.openxmlformats.org/presentationml/2006/main">
+  <p:cSld>
+    <p:spTree>
+      <p:nvGrpSpPr>
+        <p:cNvPr id="1" name=""/>
+        <p:cNvGrpSpPr/>
+        <p:nvPr/>
+      </p:nvGrpSpPr>
+      <p:grpSpPr>
+        <a:xfrm>
+          <a:off x="0" y="0"/>
+          <a:ext cx="0" cy="0"/>
+          <a:chOff x="0" y="0"/>
+          <a:chExt cx="0" cy="0"/>
+        </a:xfrm>
+      </p:grpSpPr>
+      <p:pic>
+        <p:nvPicPr>
+          <p:cNvPr id="4" name="그림 3"/>
+          <p:cNvPicPr>
+            <a:picLocks noChangeAspect="1"/>
+          </p:cNvPicPr>
+          <p:nvPr/>
+        </p:nvPicPr>
+        <p:blipFill>
+          <a:blip r:embed="rId2">
+            <a:extLst>
+              <a:ext uri="{28A0092B-C50C-407E-A947-70E740481C1C}">
+                <a14:useLocalDpi xmlns:a14="http://schemas.microsoft.com/office/drawing/2010/main" val="0"/>
+              </a:ext>
+            </a:extLst>
+          </a:blip>
+          <a:stretch>
+            <a:fillRect/>
+          </a:stretch>
+        </p:blipFill>
+        <p:spPr>
+          <a:xfrm>
+            <a:off x="4237145" y="796637"/>
+            <a:ext cx="2925209" cy="5708073"/>
+          </a:xfrm>
+          <a:prstGeom prst="rect">
+            <a:avLst/>
+          </a:prstGeom>
+        </p:spPr>
+      </p:pic>
+      <p:pic>
+        <p:nvPicPr>
+          <p:cNvPr id="5" name="그림 4"/>
+          <p:cNvPicPr>
+            <a:picLocks noChangeAspect="1"/>
+          </p:cNvPicPr>
+          <p:nvPr/>
+        </p:nvPicPr>
+        <p:blipFill>
+          <a:blip r:embed="rId3"/>
+          <a:stretch>
+            <a:fillRect/>
+          </a:stretch>
+        </p:blipFill>
+        <p:spPr>
+          <a:xfrm>
+            <a:off x="7306252" y="225137"/>
+            <a:ext cx="4248150" cy="1143000"/>
+          </a:xfrm>
+          <a:prstGeom prst="rect">
+            <a:avLst/>
+          </a:prstGeom>
+        </p:spPr>
+      </p:pic>
+      <p:sp>
+        <p:nvSpPr>
+          <p:cNvPr id="6" name="오른쪽 화살표 5"/>
+          <p:cNvSpPr/>
+          <p:nvPr/>
+        </p:nvSpPr>
+        <p:spPr>
+          <a:xfrm rot="6698122">
+            <a:off x="6763599" y="1824450"/>
+            <a:ext cx="1085305" cy="360218"/>
+          </a:xfrm>
+          <a:prstGeom prst="rightArrow">
+            <a:avLst/>
+          </a:prstGeom>
+          <a:solidFill>
+            <a:srgbClr val="FF0000"/>
+          </a:solidFill>
+          <a:ln w="12700" cap="flat">
+            <a:solidFill>
+              <a:srgbClr val="FF0000"/>
+            </a:solidFill>
+            <a:prstDash val="solid"/>
+            <a:miter lim="800000"/>
+          </a:ln>
+          <a:effectLst/>
+          <a:sp3d/>
+        </p:spPr>
+        <p:style>
+          <a:lnRef idx="0">
+            <a:scrgbClr r="0" g="0" b="0"/>
+          </a:lnRef>
+          <a:fillRef idx="0">
+            <a:scrgbClr r="0" g="0" b="0"/>
+          </a:fillRef>
+          <a:effectRef idx="0">
+            <a:scrgbClr r="0" g="0" b="0"/>
+          </a:effectRef>
+          <a:fontRef idx="none"/>
+        </p:style>
+        <p:txBody>
+          <a:bodyPr rot="0" spcFirstLastPara="1" vertOverflow="overflow" horzOverflow="overflow" vert="horz" wrap="square" lIns="45719" tIns="45719" rIns="45719" bIns="45719" numCol="1" spcCol="38100" rtlCol="0" anchor="ctr">
+            <a:spAutoFit/>
+          </a:bodyPr>
+          <a:lstStyle/>
+          <a:p>
+            <a:pPr marL="0" marR="0" indent="0" algn="l" defTabSz="914400" rtl="0" fontAlgn="auto" latinLnBrk="0" hangingPunct="0">
+              <a:lnSpc>
+                <a:spcPct val="100000"/>
+              </a:lnSpc>
+              <a:spcBef>
+                <a:spcPts val="0"/>
+              </a:spcBef>
+              <a:spcAft>
+                <a:spcPts val="0"/>
+              </a:spcAft>
+              <a:buClrTx/>
+              <a:buSzTx/>
+              <a:buFontTx/>
+              <a:buNone/>
+              <a:tabLst/>
+            </a:pPr>
+            <a:endParaRPr kumimoji="0" lang="ko-KR" altLang="en-US" sz="1800" b="0" i="0" u="none" strike="noStrike" cap="none" spc="0" normalizeH="0" baseline="0">
+              <a:ln>
+                <a:noFill/>
+              </a:ln>
+              <a:solidFill>
+                <a:srgbClr val="000000"/>
+              </a:solidFill>
+              <a:effectLst/>
+              <a:uFillTx/>
+              <a:latin typeface="+mj-lt"/>
+              <a:ea typeface="+mj-ea"/>
+              <a:cs typeface="+mj-cs"/>
+              <a:sym typeface="맑은 고딕"/>
+            </a:endParaRPr>
+          </a:p>
+        </p:txBody>
+      </p:sp>
+      <p:pic>
+        <p:nvPicPr>
+          <p:cNvPr id="7" name="그림 6"/>
+          <p:cNvPicPr>
+            <a:picLocks noChangeAspect="1"/>
+          </p:cNvPicPr>
+          <p:nvPr/>
+        </p:nvPicPr>
+        <p:blipFill>
+          <a:blip r:embed="rId4"/>
+          <a:stretch>
+            <a:fillRect/>
+          </a:stretch>
+        </p:blipFill>
+        <p:spPr>
+          <a:xfrm>
+            <a:off x="1325801" y="397164"/>
+            <a:ext cx="2523837" cy="4876944"/>
+          </a:xfrm>
+          <a:prstGeom prst="rect">
+            <a:avLst/>
+          </a:prstGeom>
+        </p:spPr>
+      </p:pic>
+      <p:sp>
+        <p:nvSpPr>
+          <p:cNvPr id="8" name="오른쪽 화살표 7"/>
+          <p:cNvSpPr/>
+          <p:nvPr/>
+        </p:nvSpPr>
+        <p:spPr>
+          <a:xfrm>
+            <a:off x="3723826" y="2312153"/>
+            <a:ext cx="626323" cy="360218"/>
+          </a:xfrm>
+          <a:prstGeom prst="rightArrow">
+            <a:avLst/>
+          </a:prstGeom>
+          <a:solidFill>
+            <a:srgbClr val="FF0000"/>
+          </a:solidFill>
+          <a:ln w="12700" cap="flat">
+            <a:solidFill>
+              <a:srgbClr val="FF0000"/>
+            </a:solidFill>
+            <a:prstDash val="solid"/>
+            <a:miter lim="800000"/>
+          </a:ln>
+          <a:effectLst/>
+          <a:sp3d/>
+        </p:spPr>
+        <p:style>
+          <a:lnRef idx="0">
+            <a:scrgbClr r="0" g="0" b="0"/>
+          </a:lnRef>
+          <a:fillRef idx="0">
+            <a:scrgbClr r="0" g="0" b="0"/>
+          </a:fillRef>
+          <a:effectRef idx="0">
+            <a:scrgbClr r="0" g="0" b="0"/>
+          </a:effectRef>
+          <a:fontRef idx="none"/>
+        </p:style>
+        <p:txBody>
+          <a:bodyPr rot="0" spcFirstLastPara="1" vertOverflow="overflow" horzOverflow="overflow" vert="horz" wrap="square" lIns="45719" tIns="45719" rIns="45719" bIns="45719" numCol="1" spcCol="38100" rtlCol="0" anchor="ctr">
+            <a:spAutoFit/>
+          </a:bodyPr>
+          <a:lstStyle/>
+          <a:p>
+            <a:pPr marL="0" marR="0" indent="0" algn="l" defTabSz="914400" rtl="0" fontAlgn="auto" latinLnBrk="0" hangingPunct="0">
+              <a:lnSpc>
+                <a:spcPct val="100000"/>
+              </a:lnSpc>
+              <a:spcBef>
+                <a:spcPts val="0"/>
+              </a:spcBef>
+              <a:spcAft>
+                <a:spcPts val="0"/>
+              </a:spcAft>
+              <a:buClrTx/>
+              <a:buSzTx/>
+              <a:buFontTx/>
+              <a:buNone/>
+              <a:tabLst/>
+            </a:pPr>
+            <a:endParaRPr kumimoji="0" lang="ko-KR" altLang="en-US" sz="1800" b="0" i="0" u="none" strike="noStrike" cap="none" spc="0" normalizeH="0" baseline="0">
+              <a:ln>
+                <a:noFill/>
+              </a:ln>
+              <a:solidFill>
+                <a:srgbClr val="000000"/>
+              </a:solidFill>
+              <a:effectLst/>
+              <a:uFillTx/>
+              <a:latin typeface="+mj-lt"/>
+              <a:ea typeface="+mj-ea"/>
+              <a:cs typeface="+mj-cs"/>
+              <a:sym typeface="맑은 고딕"/>
+            </a:endParaRPr>
+          </a:p>
+        </p:txBody>
+      </p:sp>
+      <p:pic>
+        <p:nvPicPr>
+          <p:cNvPr id="9" name="그림 8"/>
+          <p:cNvPicPr>
+            <a:picLocks noChangeAspect="1"/>
+          </p:cNvPicPr>
+          <p:nvPr/>
+        </p:nvPicPr>
+        <p:blipFill>
+          <a:blip r:embed="rId5"/>
+          <a:stretch>
+            <a:fillRect/>
+          </a:stretch>
+        </p:blipFill>
+        <p:spPr>
+          <a:xfrm>
+            <a:off x="7673747" y="1846990"/>
+            <a:ext cx="2809875" cy="1276350"/>
+          </a:xfrm>
+          <a:prstGeom prst="rect">
+            <a:avLst/>
+          </a:prstGeom>
+        </p:spPr>
+      </p:pic>
+      <p:sp>
+        <p:nvSpPr>
+          <p:cNvPr id="10" name="오른쪽 화살표 9"/>
+          <p:cNvSpPr/>
+          <p:nvPr/>
+        </p:nvSpPr>
+        <p:spPr>
+          <a:xfrm rot="10800000">
+            <a:off x="6938755" y="2792471"/>
+            <a:ext cx="801317" cy="360218"/>
+          </a:xfrm>
+          <a:prstGeom prst="rightArrow">
+            <a:avLst/>
+          </a:prstGeom>
+          <a:solidFill>
+            <a:srgbClr val="FF0000"/>
+          </a:solidFill>
+          <a:ln w="12700" cap="flat">
+            <a:solidFill>
+              <a:srgbClr val="FF0000"/>
+            </a:solidFill>
+            <a:prstDash val="solid"/>
+            <a:miter lim="800000"/>
+          </a:ln>
+          <a:effectLst/>
+          <a:sp3d/>
+        </p:spPr>
+        <p:style>
+          <a:lnRef idx="0">
+            <a:scrgbClr r="0" g="0" b="0"/>
+          </a:lnRef>
+          <a:fillRef idx="0">
+            <a:scrgbClr r="0" g="0" b="0"/>
+          </a:fillRef>
+          <a:effectRef idx="0">
+            <a:scrgbClr r="0" g="0" b="0"/>
+          </a:effectRef>
+          <a:fontRef idx="none"/>
+        </p:style>
+        <p:txBody>
+          <a:bodyPr rot="0" spcFirstLastPara="1" vertOverflow="overflow" horzOverflow="overflow" vert="horz" wrap="square" lIns="45719" tIns="45719" rIns="45719" bIns="45719" numCol="1" spcCol="38100" rtlCol="0" anchor="ctr">
+            <a:spAutoFit/>
+          </a:bodyPr>
+          <a:lstStyle/>
+          <a:p>
+            <a:pPr marL="0" marR="0" indent="0" algn="l" defTabSz="914400" rtl="0" fontAlgn="auto" latinLnBrk="0" hangingPunct="0">
+              <a:lnSpc>
+                <a:spcPct val="100000"/>
+              </a:lnSpc>
+              <a:spcBef>
+                <a:spcPts val="0"/>
+              </a:spcBef>
+              <a:spcAft>
+                <a:spcPts val="0"/>
+              </a:spcAft>
+              <a:buClrTx/>
+              <a:buSzTx/>
+              <a:buFontTx/>
+              <a:buNone/>
+              <a:tabLst/>
+            </a:pPr>
+            <a:endParaRPr kumimoji="0" lang="ko-KR" altLang="en-US" sz="1800" b="0" i="0" u="none" strike="noStrike" cap="none" spc="0" normalizeH="0" baseline="0">
+              <a:ln>
+                <a:noFill/>
+              </a:ln>
+              <a:solidFill>
+                <a:srgbClr val="000000"/>
+              </a:solidFill>
+              <a:effectLst/>
+              <a:uFillTx/>
+              <a:latin typeface="+mj-lt"/>
+              <a:ea typeface="+mj-ea"/>
+              <a:cs typeface="+mj-cs"/>
+              <a:sym typeface="맑은 고딕"/>
+            </a:endParaRPr>
+          </a:p>
+        </p:txBody>
+      </p:sp>
+      <p:pic>
+        <p:nvPicPr>
+          <p:cNvPr id="11" name="그림 10"/>
+          <p:cNvPicPr>
+            <a:picLocks noChangeAspect="1"/>
+          </p:cNvPicPr>
+          <p:nvPr/>
+        </p:nvPicPr>
+        <p:blipFill>
+          <a:blip r:embed="rId6"/>
+          <a:stretch>
+            <a:fillRect/>
+          </a:stretch>
+        </p:blipFill>
+        <p:spPr>
+          <a:xfrm>
+            <a:off x="7959466" y="3160882"/>
+            <a:ext cx="2941722" cy="3343828"/>
+          </a:xfrm>
+          <a:prstGeom prst="rect">
+            <a:avLst/>
+          </a:prstGeom>
+        </p:spPr>
+      </p:pic>
+      <p:sp>
+        <p:nvSpPr>
+          <p:cNvPr id="12" name="오른쪽 화살표 11"/>
+          <p:cNvSpPr/>
+          <p:nvPr/>
+        </p:nvSpPr>
+        <p:spPr>
+          <a:xfrm rot="10800000">
+            <a:off x="7050555" y="4571222"/>
+            <a:ext cx="801317" cy="360218"/>
+          </a:xfrm>
+          <a:prstGeom prst="rightArrow">
+            <a:avLst/>
+          </a:prstGeom>
+          <a:solidFill>
+            <a:srgbClr val="FF0000"/>
+          </a:solidFill>
+          <a:ln w="12700" cap="flat">
+            <a:solidFill>
+              <a:srgbClr val="FF0000"/>
+            </a:solidFill>
+            <a:prstDash val="solid"/>
+            <a:miter lim="800000"/>
+          </a:ln>
+          <a:effectLst/>
+          <a:sp3d/>
+        </p:spPr>
+        <p:style>
+          <a:lnRef idx="0">
+            <a:scrgbClr r="0" g="0" b="0"/>
+          </a:lnRef>
+          <a:fillRef idx="0">
+            <a:scrgbClr r="0" g="0" b="0"/>
+          </a:fillRef>
+          <a:effectRef idx="0">
+            <a:scrgbClr r="0" g="0" b="0"/>
+          </a:effectRef>
+          <a:fontRef idx="none"/>
+        </p:style>
+        <p:txBody>
+          <a:bodyPr rot="0" spcFirstLastPara="1" vertOverflow="overflow" horzOverflow="overflow" vert="horz" wrap="square" lIns="45719" tIns="45719" rIns="45719" bIns="45719" numCol="1" spcCol="38100" rtlCol="0" anchor="ctr">
+            <a:spAutoFit/>
+          </a:bodyPr>
+          <a:lstStyle/>
+          <a:p>
+            <a:pPr marL="0" marR="0" indent="0" algn="l" defTabSz="914400" rtl="0" fontAlgn="auto" latinLnBrk="0" hangingPunct="0">
+              <a:lnSpc>
+                <a:spcPct val="100000"/>
+              </a:lnSpc>
+              <a:spcBef>
+                <a:spcPts val="0"/>
+              </a:spcBef>
+              <a:spcAft>
+                <a:spcPts val="0"/>
+              </a:spcAft>
+              <a:buClrTx/>
+              <a:buSzTx/>
+              <a:buFontTx/>
+              <a:buNone/>
+              <a:tabLst/>
+            </a:pPr>
+            <a:endParaRPr kumimoji="0" lang="ko-KR" altLang="en-US" sz="1800" b="0" i="0" u="none" strike="noStrike" cap="none" spc="0" normalizeH="0" baseline="0">
+              <a:ln>
+                <a:noFill/>
+              </a:ln>
+              <a:solidFill>
+                <a:srgbClr val="000000"/>
+              </a:solidFill>
+              <a:effectLst/>
+              <a:uFillTx/>
+              <a:latin typeface="+mj-lt"/>
+              <a:ea typeface="+mj-ea"/>
+              <a:cs typeface="+mj-cs"/>
+              <a:sym typeface="맑은 고딕"/>
+            </a:endParaRPr>
+          </a:p>
+        </p:txBody>
+      </p:sp>
+    </p:spTree>
+    <p:extLst>
+      <p:ext uri="{BB962C8B-B14F-4D97-AF65-F5344CB8AC3E}">
+        <p14:creationId xmlns:p14="http://schemas.microsoft.com/office/powerpoint/2010/main" val="2580450506"/>
+      </p:ext>
+    </p:extLst>
+  </p:cSld>
+  <p:clrMapOvr>
+    <a:masterClrMapping/>
+  </p:clrMapOvr>
+  <p:transition spd="med"/>
+</p:sld>
+</file>
+
+<file path=ppt/slides/slide5.xml><?xml version="1.0" encoding="utf-8"?>
 <p:sld xmlns:a="http://schemas.openxmlformats.org/drawingml/2006/main" xmlns:r="http://schemas.openxmlformats.org/officeDocument/2006/relationships" xmlns:p="http://schemas.openxmlformats.org/presentationml/2006/main">
   <p:cSld>
     <p:spTree>
@@ -12461,7 +13099,7 @@
 </p:sld>
 </file>
 
-<file path=ppt/slides/slide5.xml><?xml version="1.0" encoding="utf-8"?>
+<file path=ppt/slides/slide6.xml><?xml version="1.0" encoding="utf-8"?>
 <p:sld xmlns:a="http://schemas.openxmlformats.org/drawingml/2006/main" xmlns:r="http://schemas.openxmlformats.org/officeDocument/2006/relationships" xmlns:p="http://schemas.openxmlformats.org/presentationml/2006/main">
   <p:cSld>
     <p:spTree>
@@ -12480,7 +13118,7 @@
       </p:grpSpPr>
       <p:pic>
         <p:nvPicPr>
-          <p:cNvPr id="1817" name="이미지" descr="이미지"/>
+          <p:cNvPr id="2" name="그림 1"/>
           <p:cNvPicPr>
             <a:picLocks noChangeAspect="1"/>
           </p:cNvPicPr>
@@ -12494,20 +13132,17 @@
         </p:blipFill>
         <p:spPr>
           <a:xfrm>
-            <a:off x="0" y="50800"/>
-            <a:ext cx="12192000" cy="6756400"/>
+            <a:off x="0" y="164856"/>
+            <a:ext cx="12192000" cy="6528288"/>
           </a:xfrm>
           <a:prstGeom prst="rect">
             <a:avLst/>
           </a:prstGeom>
-          <a:ln w="12700">
-            <a:miter lim="400000"/>
-          </a:ln>
         </p:spPr>
       </p:pic>
       <p:pic>
         <p:nvPicPr>
-          <p:cNvPr id="1818" name="이미지" descr="이미지"/>
+          <p:cNvPr id="3" name="그림 2"/>
           <p:cNvPicPr>
             <a:picLocks noChangeAspect="1"/>
           </p:cNvPicPr>
@@ -12521,55 +13156,95 @@
         </p:blipFill>
         <p:spPr>
           <a:xfrm>
-            <a:off x="4972050" y="57150"/>
-            <a:ext cx="3390900" cy="1231900"/>
+            <a:off x="5354113" y="1243154"/>
+            <a:ext cx="3543300" cy="1257300"/>
           </a:xfrm>
           <a:prstGeom prst="rect">
             <a:avLst/>
           </a:prstGeom>
-          <a:ln w="12700">
-            <a:miter lim="400000"/>
-          </a:ln>
         </p:spPr>
       </p:pic>
       <p:sp>
         <p:nvSpPr>
-          <p:cNvPr id="1819" name="화살표"/>
+          <p:cNvPr id="9" name="오른쪽 화살표 8"/>
           <p:cNvSpPr/>
           <p:nvPr/>
         </p:nvSpPr>
         <p:spPr>
           <a:xfrm>
-            <a:off x="8482210" y="205581"/>
-            <a:ext cx="915890" cy="528638"/>
+            <a:off x="8897413" y="1617145"/>
+            <a:ext cx="692728" cy="360218"/>
           </a:xfrm>
           <a:prstGeom prst="rightArrow">
-            <a:avLst>
-              <a:gd name="adj1" fmla="val 32000"/>
-              <a:gd name="adj2" fmla="val 134607"/>
-            </a:avLst>
+            <a:avLst/>
           </a:prstGeom>
           <a:solidFill>
-            <a:srgbClr val="EA5B2A"/>
+            <a:srgbClr val="FF0000"/>
           </a:solidFill>
-          <a:ln w="12700">
+          <a:ln w="12700" cap="flat">
             <a:solidFill>
-              <a:schemeClr val="accent1"/>
+              <a:srgbClr val="FF0000"/>
             </a:solidFill>
-            <a:miter/>
+            <a:prstDash val="solid"/>
+            <a:miter lim="800000"/>
           </a:ln>
+          <a:effectLst/>
+          <a:sp3d/>
         </p:spPr>
+        <p:style>
+          <a:lnRef idx="0">
+            <a:scrgbClr r="0" g="0" b="0"/>
+          </a:lnRef>
+          <a:fillRef idx="0">
+            <a:scrgbClr r="0" g="0" b="0"/>
+          </a:fillRef>
+          <a:effectRef idx="0">
+            <a:scrgbClr r="0" g="0" b="0"/>
+          </a:effectRef>
+          <a:fontRef idx="none"/>
+        </p:style>
         <p:txBody>
-          <a:bodyPr lIns="45719" rIns="45719" anchor="ctr"/>
+          <a:bodyPr rot="0" spcFirstLastPara="1" vertOverflow="overflow" horzOverflow="overflow" vert="horz" wrap="square" lIns="45719" tIns="45719" rIns="45719" bIns="45719" numCol="1" spcCol="38100" rtlCol="0" anchor="ctr">
+            <a:spAutoFit/>
+          </a:bodyPr>
           <a:lstStyle/>
           <a:p>
-            <a:endParaRPr/>
+            <a:pPr marL="0" marR="0" indent="0" algn="l" defTabSz="914400" rtl="0" fontAlgn="auto" latinLnBrk="0" hangingPunct="0">
+              <a:lnSpc>
+                <a:spcPct val="100000"/>
+              </a:lnSpc>
+              <a:spcBef>
+                <a:spcPts val="0"/>
+              </a:spcBef>
+              <a:spcAft>
+                <a:spcPts val="0"/>
+              </a:spcAft>
+              <a:buClrTx/>
+              <a:buSzTx/>
+              <a:buFontTx/>
+              <a:buNone/>
+              <a:tabLst/>
+            </a:pPr>
+            <a:endParaRPr kumimoji="0" lang="ko-KR" altLang="en-US" sz="1800" b="0" i="0" u="none" strike="noStrike" cap="none" spc="0" normalizeH="0" baseline="0">
+              <a:ln>
+                <a:noFill/>
+              </a:ln>
+              <a:solidFill>
+                <a:srgbClr val="000000"/>
+              </a:solidFill>
+              <a:effectLst/>
+              <a:uFillTx/>
+              <a:latin typeface="+mj-lt"/>
+              <a:ea typeface="+mj-ea"/>
+              <a:cs typeface="+mj-cs"/>
+              <a:sym typeface="맑은 고딕"/>
+            </a:endParaRPr>
           </a:p>
         </p:txBody>
       </p:sp>
       <p:pic>
         <p:nvPicPr>
-          <p:cNvPr id="1820" name="이미지" descr="이미지"/>
+          <p:cNvPr id="4" name="그림 3"/>
           <p:cNvPicPr>
             <a:picLocks noChangeAspect="1"/>
           </p:cNvPicPr>
@@ -12583,49 +13258,191 @@
         </p:blipFill>
         <p:spPr>
           <a:xfrm>
-            <a:off x="3244850" y="1327150"/>
-            <a:ext cx="6845300" cy="571500"/>
+            <a:off x="3546552" y="4852357"/>
+            <a:ext cx="4846010" cy="1840787"/>
           </a:xfrm>
           <a:prstGeom prst="rect">
             <a:avLst/>
           </a:prstGeom>
-          <a:ln w="12700">
-            <a:miter lim="400000"/>
-          </a:ln>
+        </p:spPr>
+      </p:pic>
+      <p:pic>
+        <p:nvPicPr>
+          <p:cNvPr id="5" name="그림 4"/>
+          <p:cNvPicPr>
+            <a:picLocks noChangeAspect="1"/>
+          </p:cNvPicPr>
+          <p:nvPr/>
+        </p:nvPicPr>
+        <p:blipFill>
+          <a:blip r:embed="rId5"/>
+          <a:stretch>
+            <a:fillRect/>
+          </a:stretch>
+        </p:blipFill>
+        <p:spPr>
+          <a:xfrm>
+            <a:off x="9541644" y="5073894"/>
+            <a:ext cx="2343150" cy="1619250"/>
+          </a:xfrm>
+          <a:prstGeom prst="rect">
+            <a:avLst/>
+          </a:prstGeom>
         </p:spPr>
       </p:pic>
       <p:sp>
         <p:nvSpPr>
-          <p:cNvPr id="1821" name="화살표"/>
+          <p:cNvPr id="12" name="오른쪽 화살표 11"/>
           <p:cNvSpPr/>
           <p:nvPr/>
         </p:nvSpPr>
         <p:spPr>
-          <a:xfrm flipH="1">
-            <a:off x="2144910" y="1196181"/>
-            <a:ext cx="915890" cy="528638"/>
+          <a:xfrm rot="16200000">
+            <a:off x="10546964" y="4449371"/>
+            <a:ext cx="692728" cy="360218"/>
           </a:xfrm>
           <a:prstGeom prst="rightArrow">
-            <a:avLst>
-              <a:gd name="adj1" fmla="val 32000"/>
-              <a:gd name="adj2" fmla="val 134607"/>
-            </a:avLst>
+            <a:avLst/>
           </a:prstGeom>
           <a:solidFill>
-            <a:srgbClr val="EA5B2A"/>
+            <a:srgbClr val="FF0000"/>
           </a:solidFill>
-          <a:ln w="12700">
+          <a:ln w="12700" cap="flat">
             <a:solidFill>
-              <a:schemeClr val="accent1"/>
+              <a:srgbClr val="FF0000"/>
             </a:solidFill>
-            <a:miter/>
+            <a:prstDash val="solid"/>
+            <a:miter lim="800000"/>
           </a:ln>
+          <a:effectLst/>
+          <a:sp3d/>
         </p:spPr>
+        <p:style>
+          <a:lnRef idx="0">
+            <a:scrgbClr r="0" g="0" b="0"/>
+          </a:lnRef>
+          <a:fillRef idx="0">
+            <a:scrgbClr r="0" g="0" b="0"/>
+          </a:fillRef>
+          <a:effectRef idx="0">
+            <a:scrgbClr r="0" g="0" b="0"/>
+          </a:effectRef>
+          <a:fontRef idx="none"/>
+        </p:style>
         <p:txBody>
-          <a:bodyPr lIns="45719" rIns="45719" anchor="ctr"/>
+          <a:bodyPr rot="0" spcFirstLastPara="1" vertOverflow="overflow" horzOverflow="overflow" vert="horz" wrap="square" lIns="45719" tIns="45719" rIns="45719" bIns="45719" numCol="1" spcCol="38100" rtlCol="0" anchor="ctr">
+            <a:spAutoFit/>
+          </a:bodyPr>
           <a:lstStyle/>
           <a:p>
-            <a:endParaRPr/>
+            <a:pPr marL="0" marR="0" indent="0" algn="l" defTabSz="914400" rtl="0" fontAlgn="auto" latinLnBrk="0" hangingPunct="0">
+              <a:lnSpc>
+                <a:spcPct val="100000"/>
+              </a:lnSpc>
+              <a:spcBef>
+                <a:spcPts val="0"/>
+              </a:spcBef>
+              <a:spcAft>
+                <a:spcPts val="0"/>
+              </a:spcAft>
+              <a:buClrTx/>
+              <a:buSzTx/>
+              <a:buFontTx/>
+              <a:buNone/>
+              <a:tabLst/>
+            </a:pPr>
+            <a:endParaRPr kumimoji="0" lang="ko-KR" altLang="en-US" sz="1800" b="0" i="0" u="none" strike="noStrike" cap="none" spc="0" normalizeH="0" baseline="0">
+              <a:ln>
+                <a:noFill/>
+              </a:ln>
+              <a:solidFill>
+                <a:srgbClr val="000000"/>
+              </a:solidFill>
+              <a:effectLst/>
+              <a:uFillTx/>
+              <a:latin typeface="+mj-lt"/>
+              <a:ea typeface="+mj-ea"/>
+              <a:cs typeface="+mj-cs"/>
+              <a:sym typeface="맑은 고딕"/>
+            </a:endParaRPr>
+          </a:p>
+        </p:txBody>
+      </p:sp>
+      <p:sp>
+        <p:nvSpPr>
+          <p:cNvPr id="13" name="오른쪽 화살표 12"/>
+          <p:cNvSpPr/>
+          <p:nvPr/>
+        </p:nvSpPr>
+        <p:spPr>
+          <a:xfrm rot="16200000">
+            <a:off x="3589064" y="4221525"/>
+            <a:ext cx="692728" cy="360218"/>
+          </a:xfrm>
+          <a:prstGeom prst="rightArrow">
+            <a:avLst/>
+          </a:prstGeom>
+          <a:solidFill>
+            <a:srgbClr val="FF0000"/>
+          </a:solidFill>
+          <a:ln w="12700" cap="flat">
+            <a:solidFill>
+              <a:srgbClr val="FF0000"/>
+            </a:solidFill>
+            <a:prstDash val="solid"/>
+            <a:miter lim="800000"/>
+          </a:ln>
+          <a:effectLst/>
+          <a:sp3d/>
+        </p:spPr>
+        <p:style>
+          <a:lnRef idx="0">
+            <a:scrgbClr r="0" g="0" b="0"/>
+          </a:lnRef>
+          <a:fillRef idx="0">
+            <a:scrgbClr r="0" g="0" b="0"/>
+          </a:fillRef>
+          <a:effectRef idx="0">
+            <a:scrgbClr r="0" g="0" b="0"/>
+          </a:effectRef>
+          <a:fontRef idx="none"/>
+        </p:style>
+        <p:txBody>
+          <a:bodyPr rot="0" spcFirstLastPara="1" vertOverflow="overflow" horzOverflow="overflow" vert="horz" wrap="square" lIns="45719" tIns="45719" rIns="45719" bIns="45719" numCol="1" spcCol="38100" rtlCol="0" anchor="ctr">
+            <a:spAutoFit/>
+          </a:bodyPr>
+          <a:lstStyle/>
+          <a:p>
+            <a:pPr marL="0" marR="0" indent="0" algn="l" defTabSz="914400" rtl="0" fontAlgn="auto" latinLnBrk="0" hangingPunct="0">
+              <a:lnSpc>
+                <a:spcPct val="100000"/>
+              </a:lnSpc>
+              <a:spcBef>
+                <a:spcPts val="0"/>
+              </a:spcBef>
+              <a:spcAft>
+                <a:spcPts val="0"/>
+              </a:spcAft>
+              <a:buClrTx/>
+              <a:buSzTx/>
+              <a:buFontTx/>
+              <a:buNone/>
+              <a:tabLst/>
+            </a:pPr>
+            <a:endParaRPr kumimoji="0" lang="ko-KR" altLang="en-US" sz="1800" b="0" i="0" u="none" strike="noStrike" cap="none" spc="0" normalizeH="0" baseline="0">
+              <a:ln>
+                <a:noFill/>
+              </a:ln>
+              <a:solidFill>
+                <a:srgbClr val="000000"/>
+              </a:solidFill>
+              <a:effectLst/>
+              <a:uFillTx/>
+              <a:latin typeface="+mj-lt"/>
+              <a:ea typeface="+mj-ea"/>
+              <a:cs typeface="+mj-cs"/>
+              <a:sym typeface="맑은 고딕"/>
+            </a:endParaRPr>
           </a:p>
         </p:txBody>
       </p:sp>
@@ -12643,7 +13460,7 @@
 </p:sld>
 </file>
 
-<file path=ppt/slides/slide6.xml><?xml version="1.0" encoding="utf-8"?>
+<file path=ppt/slides/slide7.xml><?xml version="1.0" encoding="utf-8"?>
 <p:sld xmlns:a="http://schemas.openxmlformats.org/drawingml/2006/main" xmlns:r="http://schemas.openxmlformats.org/officeDocument/2006/relationships" xmlns:p="http://schemas.openxmlformats.org/presentationml/2006/main">
   <p:cSld>
     <p:spTree>
@@ -15772,7 +16589,7 @@
 </p:sld>
 </file>
 
-<file path=ppt/slides/slide7.xml><?xml version="1.0" encoding="utf-8"?>
+<file path=ppt/slides/slide8.xml><?xml version="1.0" encoding="utf-8"?>
 <p:sld xmlns:a="http://schemas.openxmlformats.org/drawingml/2006/main" xmlns:r="http://schemas.openxmlformats.org/officeDocument/2006/relationships" xmlns:p="http://schemas.openxmlformats.org/presentationml/2006/main">
   <p:cSld>
     <p:spTree>
@@ -15864,7 +16681,7 @@
       </p:pic>
       <p:pic>
         <p:nvPicPr>
-          <p:cNvPr id="1910" name="이미지" descr="이미지"/>
+          <p:cNvPr id="2" name="그림 1"/>
           <p:cNvPicPr>
             <a:picLocks noChangeAspect="1"/>
           </p:cNvPicPr>
@@ -15878,55 +16695,95 @@
         </p:blipFill>
         <p:spPr>
           <a:xfrm>
-            <a:off x="6489700" y="63500"/>
-            <a:ext cx="3810000" cy="1422400"/>
+            <a:off x="3711543" y="809011"/>
+            <a:ext cx="5541098" cy="1057275"/>
           </a:xfrm>
           <a:prstGeom prst="rect">
             <a:avLst/>
           </a:prstGeom>
-          <a:ln w="12700">
-            <a:miter lim="400000"/>
-          </a:ln>
         </p:spPr>
       </p:pic>
       <p:sp>
         <p:nvSpPr>
-          <p:cNvPr id="1911" name="화살표"/>
+          <p:cNvPr id="10" name="오른쪽 화살표 9"/>
           <p:cNvSpPr/>
           <p:nvPr/>
         </p:nvSpPr>
         <p:spPr>
-          <a:xfrm rot="2502788">
-            <a:off x="8639307" y="1666362"/>
-            <a:ext cx="1301932" cy="996811"/>
+          <a:xfrm>
+            <a:off x="9333997" y="1506068"/>
+            <a:ext cx="626323" cy="360218"/>
           </a:xfrm>
           <a:prstGeom prst="rightArrow">
-            <a:avLst>
-              <a:gd name="adj1" fmla="val 32000"/>
-              <a:gd name="adj2" fmla="val 101475"/>
-            </a:avLst>
+            <a:avLst/>
           </a:prstGeom>
           <a:solidFill>
-            <a:srgbClr val="EA5B2A"/>
+            <a:srgbClr val="FF0000"/>
           </a:solidFill>
-          <a:ln w="12700">
+          <a:ln w="12700" cap="flat">
             <a:solidFill>
-              <a:schemeClr val="accent1"/>
+              <a:srgbClr val="FF0000"/>
             </a:solidFill>
-            <a:miter/>
+            <a:prstDash val="solid"/>
+            <a:miter lim="800000"/>
           </a:ln>
+          <a:effectLst/>
+          <a:sp3d/>
         </p:spPr>
+        <p:style>
+          <a:lnRef idx="0">
+            <a:scrgbClr r="0" g="0" b="0"/>
+          </a:lnRef>
+          <a:fillRef idx="0">
+            <a:scrgbClr r="0" g="0" b="0"/>
+          </a:fillRef>
+          <a:effectRef idx="0">
+            <a:scrgbClr r="0" g="0" b="0"/>
+          </a:effectRef>
+          <a:fontRef idx="none"/>
+        </p:style>
         <p:txBody>
-          <a:bodyPr lIns="45719" rIns="45719" anchor="ctr"/>
+          <a:bodyPr rot="0" spcFirstLastPara="1" vertOverflow="overflow" horzOverflow="overflow" vert="horz" wrap="square" lIns="45719" tIns="45719" rIns="45719" bIns="45719" numCol="1" spcCol="38100" rtlCol="0" anchor="ctr">
+            <a:spAutoFit/>
+          </a:bodyPr>
           <a:lstStyle/>
           <a:p>
-            <a:endParaRPr/>
+            <a:pPr marL="0" marR="0" indent="0" algn="l" defTabSz="914400" rtl="0" fontAlgn="auto" latinLnBrk="0" hangingPunct="0">
+              <a:lnSpc>
+                <a:spcPct val="100000"/>
+              </a:lnSpc>
+              <a:spcBef>
+                <a:spcPts val="0"/>
+              </a:spcBef>
+              <a:spcAft>
+                <a:spcPts val="0"/>
+              </a:spcAft>
+              <a:buClrTx/>
+              <a:buSzTx/>
+              <a:buFontTx/>
+              <a:buNone/>
+              <a:tabLst/>
+            </a:pPr>
+            <a:endParaRPr kumimoji="0" lang="ko-KR" altLang="en-US" sz="1800" b="0" i="0" u="none" strike="noStrike" cap="none" spc="0" normalizeH="0" baseline="0">
+              <a:ln>
+                <a:noFill/>
+              </a:ln>
+              <a:solidFill>
+                <a:srgbClr val="000000"/>
+              </a:solidFill>
+              <a:effectLst/>
+              <a:uFillTx/>
+              <a:latin typeface="+mj-lt"/>
+              <a:ea typeface="+mj-ea"/>
+              <a:cs typeface="+mj-cs"/>
+              <a:sym typeface="맑은 고딕"/>
+            </a:endParaRPr>
           </a:p>
         </p:txBody>
       </p:sp>
       <p:pic>
         <p:nvPicPr>
-          <p:cNvPr id="1912" name="이미지" descr="이미지"/>
+          <p:cNvPr id="3" name="그림 2"/>
           <p:cNvPicPr>
             <a:picLocks noChangeAspect="1"/>
           </p:cNvPicPr>
@@ -15940,49 +16797,89 @@
         </p:blipFill>
         <p:spPr>
           <a:xfrm>
-            <a:off x="158297" y="2743200"/>
-            <a:ext cx="8267701" cy="1371601"/>
+            <a:off x="80302" y="3268159"/>
+            <a:ext cx="9496425" cy="828675"/>
           </a:xfrm>
           <a:prstGeom prst="rect">
             <a:avLst/>
           </a:prstGeom>
-          <a:ln w="12700">
-            <a:miter lim="400000"/>
-          </a:ln>
         </p:spPr>
       </p:pic>
       <p:sp>
         <p:nvSpPr>
-          <p:cNvPr id="1913" name="화살표"/>
+          <p:cNvPr id="12" name="오른쪽 화살표 11"/>
           <p:cNvSpPr/>
           <p:nvPr/>
         </p:nvSpPr>
         <p:spPr>
-          <a:xfrm rot="8222989">
-            <a:off x="2797307" y="3647562"/>
-            <a:ext cx="1301932" cy="996811"/>
+          <a:xfrm rot="5400000">
+            <a:off x="1210838" y="4184046"/>
+            <a:ext cx="626323" cy="360218"/>
           </a:xfrm>
           <a:prstGeom prst="rightArrow">
-            <a:avLst>
-              <a:gd name="adj1" fmla="val 32000"/>
-              <a:gd name="adj2" fmla="val 101475"/>
-            </a:avLst>
+            <a:avLst/>
           </a:prstGeom>
           <a:solidFill>
-            <a:srgbClr val="EA5B2A"/>
+            <a:srgbClr val="FF0000"/>
           </a:solidFill>
-          <a:ln w="12700">
+          <a:ln w="12700" cap="flat">
             <a:solidFill>
-              <a:schemeClr val="accent1"/>
+              <a:srgbClr val="FF0000"/>
             </a:solidFill>
-            <a:miter/>
+            <a:prstDash val="solid"/>
+            <a:miter lim="800000"/>
           </a:ln>
+          <a:effectLst/>
+          <a:sp3d/>
         </p:spPr>
+        <p:style>
+          <a:lnRef idx="0">
+            <a:scrgbClr r="0" g="0" b="0"/>
+          </a:lnRef>
+          <a:fillRef idx="0">
+            <a:scrgbClr r="0" g="0" b="0"/>
+          </a:fillRef>
+          <a:effectRef idx="0">
+            <a:scrgbClr r="0" g="0" b="0"/>
+          </a:effectRef>
+          <a:fontRef idx="none"/>
+        </p:style>
         <p:txBody>
-          <a:bodyPr lIns="45719" rIns="45719" anchor="ctr"/>
+          <a:bodyPr rot="0" spcFirstLastPara="1" vertOverflow="overflow" horzOverflow="overflow" vert="horz" wrap="square" lIns="45719" tIns="45719" rIns="45719" bIns="45719" numCol="1" spcCol="38100" rtlCol="0" anchor="ctr">
+            <a:spAutoFit/>
+          </a:bodyPr>
           <a:lstStyle/>
           <a:p>
-            <a:endParaRPr/>
+            <a:pPr marL="0" marR="0" indent="0" algn="l" defTabSz="914400" rtl="0" fontAlgn="auto" latinLnBrk="0" hangingPunct="0">
+              <a:lnSpc>
+                <a:spcPct val="100000"/>
+              </a:lnSpc>
+              <a:spcBef>
+                <a:spcPts val="0"/>
+              </a:spcBef>
+              <a:spcAft>
+                <a:spcPts val="0"/>
+              </a:spcAft>
+              <a:buClrTx/>
+              <a:buSzTx/>
+              <a:buFontTx/>
+              <a:buNone/>
+              <a:tabLst/>
+            </a:pPr>
+            <a:endParaRPr kumimoji="0" lang="ko-KR" altLang="en-US" sz="1800" b="0" i="0" u="none" strike="noStrike" cap="none" spc="0" normalizeH="0" baseline="0">
+              <a:ln>
+                <a:noFill/>
+              </a:ln>
+              <a:solidFill>
+                <a:srgbClr val="000000"/>
+              </a:solidFill>
+              <a:effectLst/>
+              <a:uFillTx/>
+              <a:latin typeface="+mj-lt"/>
+              <a:ea typeface="+mj-ea"/>
+              <a:cs typeface="+mj-cs"/>
+              <a:sym typeface="맑은 고딕"/>
+            </a:endParaRPr>
           </a:p>
         </p:txBody>
       </p:sp>
@@ -15990,6 +16887,367 @@
     <p:extLst>
       <p:ext uri="{BB962C8B-B14F-4D97-AF65-F5344CB8AC3E}">
         <p14:creationId xmlns:p14="http://schemas.microsoft.com/office/powerpoint/2010/main" val="2835991850"/>
+      </p:ext>
+    </p:extLst>
+  </p:cSld>
+  <p:clrMapOvr>
+    <a:masterClrMapping/>
+  </p:clrMapOvr>
+  <p:transition spd="med"/>
+</p:sld>
+</file>
+
+<file path=ppt/slides/slide9.xml><?xml version="1.0" encoding="utf-8"?>
+<p:sld xmlns:a="http://schemas.openxmlformats.org/drawingml/2006/main" xmlns:r="http://schemas.openxmlformats.org/officeDocument/2006/relationships" xmlns:p="http://schemas.openxmlformats.org/presentationml/2006/main">
+  <p:cSld>
+    <p:spTree>
+      <p:nvGrpSpPr>
+        <p:cNvPr id="1" name=""/>
+        <p:cNvGrpSpPr/>
+        <p:nvPr/>
+      </p:nvGrpSpPr>
+      <p:grpSpPr>
+        <a:xfrm>
+          <a:off x="0" y="0"/>
+          <a:ext cx="0" cy="0"/>
+          <a:chOff x="0" y="0"/>
+          <a:chExt cx="0" cy="0"/>
+        </a:xfrm>
+      </p:grpSpPr>
+      <p:pic>
+        <p:nvPicPr>
+          <p:cNvPr id="4" name="그림 3"/>
+          <p:cNvPicPr>
+            <a:picLocks noChangeAspect="1"/>
+          </p:cNvPicPr>
+          <p:nvPr/>
+        </p:nvPicPr>
+        <p:blipFill>
+          <a:blip r:embed="rId2"/>
+          <a:stretch>
+            <a:fillRect/>
+          </a:stretch>
+        </p:blipFill>
+        <p:spPr>
+          <a:xfrm>
+            <a:off x="4164007" y="271604"/>
+            <a:ext cx="3109991" cy="6319319"/>
+          </a:xfrm>
+          <a:prstGeom prst="rect">
+            <a:avLst/>
+          </a:prstGeom>
+        </p:spPr>
+      </p:pic>
+      <p:pic>
+        <p:nvPicPr>
+          <p:cNvPr id="5" name="그림 4"/>
+          <p:cNvPicPr>
+            <a:picLocks noChangeAspect="1"/>
+          </p:cNvPicPr>
+          <p:nvPr/>
+        </p:nvPicPr>
+        <p:blipFill>
+          <a:blip r:embed="rId3"/>
+          <a:stretch>
+            <a:fillRect/>
+          </a:stretch>
+        </p:blipFill>
+        <p:spPr>
+          <a:xfrm>
+            <a:off x="213282" y="628776"/>
+            <a:ext cx="2992411" cy="1514060"/>
+          </a:xfrm>
+          <a:prstGeom prst="rect">
+            <a:avLst/>
+          </a:prstGeom>
+        </p:spPr>
+      </p:pic>
+      <p:sp>
+        <p:nvSpPr>
+          <p:cNvPr id="6" name="오른쪽 화살표 5"/>
+          <p:cNvSpPr/>
+          <p:nvPr/>
+        </p:nvSpPr>
+        <p:spPr>
+          <a:xfrm rot="900000">
+            <a:off x="3167288" y="1587513"/>
+            <a:ext cx="1035123" cy="360218"/>
+          </a:xfrm>
+          <a:prstGeom prst="rightArrow">
+            <a:avLst/>
+          </a:prstGeom>
+          <a:solidFill>
+            <a:srgbClr val="FF0000"/>
+          </a:solidFill>
+          <a:ln w="12700" cap="flat">
+            <a:solidFill>
+              <a:srgbClr val="FF0000"/>
+            </a:solidFill>
+            <a:prstDash val="solid"/>
+            <a:miter lim="800000"/>
+          </a:ln>
+          <a:effectLst/>
+          <a:sp3d/>
+        </p:spPr>
+        <p:style>
+          <a:lnRef idx="0">
+            <a:scrgbClr r="0" g="0" b="0"/>
+          </a:lnRef>
+          <a:fillRef idx="0">
+            <a:scrgbClr r="0" g="0" b="0"/>
+          </a:fillRef>
+          <a:effectRef idx="0">
+            <a:scrgbClr r="0" g="0" b="0"/>
+          </a:effectRef>
+          <a:fontRef idx="none"/>
+        </p:style>
+        <p:txBody>
+          <a:bodyPr rot="0" spcFirstLastPara="1" vertOverflow="overflow" horzOverflow="overflow" vert="horz" wrap="square" lIns="45719" tIns="45719" rIns="45719" bIns="45719" numCol="1" spcCol="38100" rtlCol="0" anchor="ctr">
+            <a:spAutoFit/>
+          </a:bodyPr>
+          <a:lstStyle/>
+          <a:p>
+            <a:pPr marL="0" marR="0" indent="0" algn="l" defTabSz="914400" rtl="0" fontAlgn="auto" latinLnBrk="0" hangingPunct="0">
+              <a:lnSpc>
+                <a:spcPct val="100000"/>
+              </a:lnSpc>
+              <a:spcBef>
+                <a:spcPts val="0"/>
+              </a:spcBef>
+              <a:spcAft>
+                <a:spcPts val="0"/>
+              </a:spcAft>
+              <a:buClrTx/>
+              <a:buSzTx/>
+              <a:buFontTx/>
+              <a:buNone/>
+              <a:tabLst/>
+            </a:pPr>
+            <a:endParaRPr kumimoji="0" lang="ko-KR" altLang="en-US" sz="1800" b="0" i="0" u="none" strike="noStrike" cap="none" spc="0" normalizeH="0" baseline="0">
+              <a:ln>
+                <a:noFill/>
+              </a:ln>
+              <a:solidFill>
+                <a:srgbClr val="000000"/>
+              </a:solidFill>
+              <a:effectLst/>
+              <a:uFillTx/>
+              <a:latin typeface="+mj-lt"/>
+              <a:ea typeface="+mj-ea"/>
+              <a:cs typeface="+mj-cs"/>
+              <a:sym typeface="맑은 고딕"/>
+            </a:endParaRPr>
+          </a:p>
+        </p:txBody>
+      </p:sp>
+      <p:pic>
+        <p:nvPicPr>
+          <p:cNvPr id="7" name="그림 6"/>
+          <p:cNvPicPr>
+            <a:picLocks noChangeAspect="1"/>
+          </p:cNvPicPr>
+          <p:nvPr/>
+        </p:nvPicPr>
+        <p:blipFill>
+          <a:blip r:embed="rId4"/>
+          <a:stretch>
+            <a:fillRect/>
+          </a:stretch>
+        </p:blipFill>
+        <p:spPr>
+          <a:xfrm>
+            <a:off x="8043284" y="1923039"/>
+            <a:ext cx="2847975" cy="3381375"/>
+          </a:xfrm>
+          <a:prstGeom prst="rect">
+            <a:avLst/>
+          </a:prstGeom>
+        </p:spPr>
+      </p:pic>
+      <p:sp>
+        <p:nvSpPr>
+          <p:cNvPr id="8" name="오른쪽 화살표 7"/>
+          <p:cNvSpPr/>
+          <p:nvPr/>
+        </p:nvSpPr>
+        <p:spPr>
+          <a:xfrm rot="11428704">
+            <a:off x="7141080" y="4122893"/>
+            <a:ext cx="1035123" cy="360218"/>
+          </a:xfrm>
+          <a:prstGeom prst="rightArrow">
+            <a:avLst/>
+          </a:prstGeom>
+          <a:solidFill>
+            <a:srgbClr val="FF0000"/>
+          </a:solidFill>
+          <a:ln w="12700" cap="flat">
+            <a:solidFill>
+              <a:srgbClr val="FF0000"/>
+            </a:solidFill>
+            <a:prstDash val="solid"/>
+            <a:miter lim="800000"/>
+          </a:ln>
+          <a:effectLst/>
+          <a:sp3d/>
+        </p:spPr>
+        <p:style>
+          <a:lnRef idx="0">
+            <a:scrgbClr r="0" g="0" b="0"/>
+          </a:lnRef>
+          <a:fillRef idx="0">
+            <a:scrgbClr r="0" g="0" b="0"/>
+          </a:fillRef>
+          <a:effectRef idx="0">
+            <a:scrgbClr r="0" g="0" b="0"/>
+          </a:effectRef>
+          <a:fontRef idx="none"/>
+        </p:style>
+        <p:txBody>
+          <a:bodyPr rot="0" spcFirstLastPara="1" vertOverflow="overflow" horzOverflow="overflow" vert="horz" wrap="square" lIns="45719" tIns="45719" rIns="45719" bIns="45719" numCol="1" spcCol="38100" rtlCol="0" anchor="ctr">
+            <a:spAutoFit/>
+          </a:bodyPr>
+          <a:lstStyle/>
+          <a:p>
+            <a:pPr marL="0" marR="0" indent="0" algn="l" defTabSz="914400" rtl="0" fontAlgn="auto" latinLnBrk="0" hangingPunct="0">
+              <a:lnSpc>
+                <a:spcPct val="100000"/>
+              </a:lnSpc>
+              <a:spcBef>
+                <a:spcPts val="0"/>
+              </a:spcBef>
+              <a:spcAft>
+                <a:spcPts val="0"/>
+              </a:spcAft>
+              <a:buClrTx/>
+              <a:buSzTx/>
+              <a:buFontTx/>
+              <a:buNone/>
+              <a:tabLst/>
+            </a:pPr>
+            <a:endParaRPr kumimoji="0" lang="ko-KR" altLang="en-US" sz="1800" b="0" i="0" u="none" strike="noStrike" cap="none" spc="0" normalizeH="0" baseline="0">
+              <a:ln>
+                <a:noFill/>
+              </a:ln>
+              <a:solidFill>
+                <a:srgbClr val="000000"/>
+              </a:solidFill>
+              <a:effectLst/>
+              <a:uFillTx/>
+              <a:latin typeface="+mj-lt"/>
+              <a:ea typeface="+mj-ea"/>
+              <a:cs typeface="+mj-cs"/>
+              <a:sym typeface="맑은 고딕"/>
+            </a:endParaRPr>
+          </a:p>
+        </p:txBody>
+      </p:sp>
+      <p:pic>
+        <p:nvPicPr>
+          <p:cNvPr id="9" name="그림 8"/>
+          <p:cNvPicPr>
+            <a:picLocks noChangeAspect="1"/>
+          </p:cNvPicPr>
+          <p:nvPr/>
+        </p:nvPicPr>
+        <p:blipFill>
+          <a:blip r:embed="rId5"/>
+          <a:stretch>
+            <a:fillRect/>
+          </a:stretch>
+        </p:blipFill>
+        <p:spPr>
+          <a:xfrm>
+            <a:off x="395818" y="3714111"/>
+            <a:ext cx="2809875" cy="1238250"/>
+          </a:xfrm>
+          <a:prstGeom prst="rect">
+            <a:avLst/>
+          </a:prstGeom>
+        </p:spPr>
+      </p:pic>
+      <p:sp>
+        <p:nvSpPr>
+          <p:cNvPr id="10" name="오른쪽 화살표 9"/>
+          <p:cNvSpPr/>
+          <p:nvPr/>
+        </p:nvSpPr>
+        <p:spPr>
+          <a:xfrm>
+            <a:off x="3196269" y="3973018"/>
+            <a:ext cx="1035123" cy="360218"/>
+          </a:xfrm>
+          <a:prstGeom prst="rightArrow">
+            <a:avLst/>
+          </a:prstGeom>
+          <a:solidFill>
+            <a:srgbClr val="FF0000"/>
+          </a:solidFill>
+          <a:ln w="12700" cap="flat">
+            <a:solidFill>
+              <a:srgbClr val="FF0000"/>
+            </a:solidFill>
+            <a:prstDash val="solid"/>
+            <a:miter lim="800000"/>
+          </a:ln>
+          <a:effectLst/>
+          <a:sp3d/>
+        </p:spPr>
+        <p:style>
+          <a:lnRef idx="0">
+            <a:scrgbClr r="0" g="0" b="0"/>
+          </a:lnRef>
+          <a:fillRef idx="0">
+            <a:scrgbClr r="0" g="0" b="0"/>
+          </a:fillRef>
+          <a:effectRef idx="0">
+            <a:scrgbClr r="0" g="0" b="0"/>
+          </a:effectRef>
+          <a:fontRef idx="none"/>
+        </p:style>
+        <p:txBody>
+          <a:bodyPr rot="0" spcFirstLastPara="1" vertOverflow="overflow" horzOverflow="overflow" vert="horz" wrap="square" lIns="45719" tIns="45719" rIns="45719" bIns="45719" numCol="1" spcCol="38100" rtlCol="0" anchor="ctr">
+            <a:spAutoFit/>
+          </a:bodyPr>
+          <a:lstStyle/>
+          <a:p>
+            <a:pPr marL="0" marR="0" indent="0" algn="l" defTabSz="914400" rtl="0" fontAlgn="auto" latinLnBrk="0" hangingPunct="0">
+              <a:lnSpc>
+                <a:spcPct val="100000"/>
+              </a:lnSpc>
+              <a:spcBef>
+                <a:spcPts val="0"/>
+              </a:spcBef>
+              <a:spcAft>
+                <a:spcPts val="0"/>
+              </a:spcAft>
+              <a:buClrTx/>
+              <a:buSzTx/>
+              <a:buFontTx/>
+              <a:buNone/>
+              <a:tabLst/>
+            </a:pPr>
+            <a:endParaRPr kumimoji="0" lang="ko-KR" altLang="en-US" sz="1800" b="0" i="0" u="none" strike="noStrike" cap="none" spc="0" normalizeH="0" baseline="0">
+              <a:ln>
+                <a:noFill/>
+              </a:ln>
+              <a:solidFill>
+                <a:srgbClr val="000000"/>
+              </a:solidFill>
+              <a:effectLst/>
+              <a:uFillTx/>
+              <a:latin typeface="+mj-lt"/>
+              <a:ea typeface="+mj-ea"/>
+              <a:cs typeface="+mj-cs"/>
+              <a:sym typeface="맑은 고딕"/>
+            </a:endParaRPr>
+          </a:p>
+        </p:txBody>
+      </p:sp>
+    </p:spTree>
+    <p:extLst>
+      <p:ext uri="{BB962C8B-B14F-4D97-AF65-F5344CB8AC3E}">
+        <p14:creationId xmlns:p14="http://schemas.microsoft.com/office/powerpoint/2010/main" val="138790344"/>
       </p:ext>
     </p:extLst>
   </p:cSld>
@@ -16289,7 +17547,7 @@
   <a:extraClrSchemeLst/>
   <a:extLst>
     <a:ext uri="{05A4C25C-085E-4340-85A3-A5531E510DB2}">
-      <thm15:themeFamily xmlns="" xmlns:thm15="http://schemas.microsoft.com/office/thememl/2012/main" name="Office Theme" id="{62F939B6-93AF-4DB8-9C6B-D6C7DFDC589F}" vid="{4A3C46E8-61CC-4603-A589-7422A47A8E4A}"/>
+      <thm15:themeFamily xmlns:thm15="http://schemas.microsoft.com/office/thememl/2012/main" name="Office Theme" id="{62F939B6-93AF-4DB8-9C6B-D6C7DFDC589F}" vid="{4A3C46E8-61CC-4603-A589-7422A47A8E4A}"/>
     </a:ext>
   </a:extLst>
 </a:theme>
